--- a/DocumentatieSMA/SMA.pptx
+++ b/DocumentatieSMA/SMA.pptx
@@ -14,6 +14,7 @@
     <p:sldId id="262" r:id="rId8"/>
     <p:sldId id="263" r:id="rId9"/>
     <p:sldId id="264" r:id="rId10"/>
+    <p:sldId id="265" r:id="rId11"/>
   </p:sldIdLst>
   <p:sldSz cx="12192000" cy="6858000"/>
   <p:notesSz cx="6858000" cy="9144000"/>
@@ -4051,6 +4052,72 @@
 </p:sld>
 </file>
 
+<file path=ppt/slides/slide10.xml><?xml version="1.0" encoding="utf-8"?>
+<p:sld xmlns:a="http://schemas.openxmlformats.org/drawingml/2006/main" xmlns:r="http://schemas.openxmlformats.org/officeDocument/2006/relationships" xmlns:p="http://schemas.openxmlformats.org/presentationml/2006/main">
+  <p:cSld>
+    <p:spTree>
+      <p:nvGrpSpPr>
+        <p:cNvPr id="1" name=""/>
+        <p:cNvGrpSpPr/>
+        <p:nvPr/>
+      </p:nvGrpSpPr>
+      <p:grpSpPr>
+        <a:xfrm>
+          <a:off x="0" y="0"/>
+          <a:ext cx="0" cy="0"/>
+          <a:chOff x="0" y="0"/>
+          <a:chExt cx="0" cy="0"/>
+        </a:xfrm>
+      </p:grpSpPr>
+      <p:pic>
+        <p:nvPicPr>
+          <p:cNvPr id="5" name="Picture 4">
+            <a:extLst>
+              <a:ext uri="{FF2B5EF4-FFF2-40B4-BE49-F238E27FC236}">
+                <a16:creationId xmlns:a16="http://schemas.microsoft.com/office/drawing/2014/main" id="{0E494904-34C6-4134-A2CF-B54A3C30C844}"/>
+              </a:ext>
+            </a:extLst>
+          </p:cNvPr>
+          <p:cNvPicPr>
+            <a:picLocks noChangeAspect="1"/>
+          </p:cNvPicPr>
+          <p:nvPr/>
+        </p:nvPicPr>
+        <p:blipFill>
+          <a:blip r:embed="rId2">
+            <a:extLst>
+              <a:ext uri="{28A0092B-C50C-407E-A947-70E740481C1C}">
+                <a14:useLocalDpi xmlns:a14="http://schemas.microsoft.com/office/drawing/2010/main" val="0"/>
+              </a:ext>
+            </a:extLst>
+          </a:blip>
+          <a:stretch>
+            <a:fillRect/>
+          </a:stretch>
+        </p:blipFill>
+        <p:spPr>
+          <a:xfrm>
+            <a:off x="-168149" y="-193183"/>
+            <a:ext cx="12528298" cy="7051183"/>
+          </a:xfrm>
+          <a:prstGeom prst="rect">
+            <a:avLst/>
+          </a:prstGeom>
+        </p:spPr>
+      </p:pic>
+    </p:spTree>
+    <p:extLst>
+      <p:ext uri="{BB962C8B-B14F-4D97-AF65-F5344CB8AC3E}">
+        <p14:creationId xmlns:p14="http://schemas.microsoft.com/office/powerpoint/2010/main" val="3312036964"/>
+      </p:ext>
+    </p:extLst>
+  </p:cSld>
+  <p:clrMapOvr>
+    <a:masterClrMapping/>
+  </p:clrMapOvr>
+</p:sld>
+</file>
+
 <file path=ppt/slides/slide2.xml><?xml version="1.0" encoding="utf-8"?>
 <p:sld xmlns:a="http://schemas.openxmlformats.org/drawingml/2006/main" xmlns:r="http://schemas.openxmlformats.org/officeDocument/2006/relationships" xmlns:p="http://schemas.openxmlformats.org/presentationml/2006/main">
   <p:cSld>
@@ -4511,7 +4578,7 @@
               <a:t>aleaga</a:t>
             </a:r>
             <a:r>
-              <a:rPr lang="en-US"/>
+              <a:rPr lang="en-US" dirty="0"/>
               <a:t> brush-</a:t>
             </a:r>
             <a:r>
@@ -5881,6 +5948,14 @@
             </a:r>
             <a:r>
               <a:rPr lang="en-US" dirty="0"/>
+              <a:t> de </a:t>
+            </a:r>
+            <a:r>
+              <a:rPr lang="en-US" dirty="0" err="1"/>
+              <a:t>monetizare</a:t>
+            </a:r>
+            <a:r>
+              <a:rPr lang="en-US" dirty="0"/>
               <a:t> </a:t>
             </a:r>
             <a:r>
@@ -6186,7 +6261,7 @@
             </a:r>
             <a:r>
               <a:rPr lang="en-US" dirty="0"/>
-              <a:t> al </a:t>
+              <a:t> a </a:t>
             </a:r>
             <a:r>
               <a:rPr lang="en-US" dirty="0" err="1"/>
